--- a/desarrollo web 2.pptx
+++ b/desarrollo web 2.pptx
@@ -615,7 +615,7 @@
           <a:noFill/>
           <a:extLst>
             <a:ext uri="{909E8E84-426E-40dd-AFC4-6F175D3DCCD1}">
-              <a14:hiddenFill xmlns="" xmlns:a14="http://schemas.microsoft.com/office/drawing/2010/main">
+              <a14:hiddenFill xmlns:a14="http://schemas.microsoft.com/office/drawing/2010/main" xmlns="">
                 <a:solidFill>
                   <a:srgbClr val="FFFFFF"/>
                 </a:solidFill>
@@ -675,7 +675,7 @@
             </a:ln>
             <a:extLst>
               <a:ext uri="{91240B29-F687-4f45-9708-019B960494DF}">
-                <a14:hiddenLine xmlns="" xmlns:a14="http://schemas.microsoft.com/office/drawing/2010/main" w="9525">
+                <a14:hiddenLine xmlns:a14="http://schemas.microsoft.com/office/drawing/2010/main" xmlns="" w="9525">
                   <a:solidFill>
                     <a:srgbClr val="000000"/>
                   </a:solidFill>
@@ -765,7 +765,7 @@
             </a:ln>
             <a:extLst>
               <a:ext uri="{91240B29-F687-4f45-9708-019B960494DF}">
-                <a14:hiddenLine xmlns="" xmlns:a14="http://schemas.microsoft.com/office/drawing/2010/main" w="9525">
+                <a14:hiddenLine xmlns:a14="http://schemas.microsoft.com/office/drawing/2010/main" xmlns="" w="9525">
                   <a:solidFill>
                     <a:srgbClr val="000000"/>
                   </a:solidFill>
@@ -855,7 +855,7 @@
             </a:ln>
             <a:extLst>
               <a:ext uri="{91240B29-F687-4f45-9708-019B960494DF}">
-                <a14:hiddenLine xmlns="" xmlns:a14="http://schemas.microsoft.com/office/drawing/2010/main" w="9525">
+                <a14:hiddenLine xmlns:a14="http://schemas.microsoft.com/office/drawing/2010/main" xmlns="" w="9525">
                   <a:solidFill>
                     <a:srgbClr val="000000"/>
                   </a:solidFill>
@@ -889,7 +889,7 @@
             </a:ln>
             <a:extLst>
               <a:ext uri="{91240B29-F687-4f45-9708-019B960494DF}">
-                <a14:hiddenLine xmlns="" xmlns:a14="http://schemas.microsoft.com/office/drawing/2010/main" w="9525">
+                <a14:hiddenLine xmlns:a14="http://schemas.microsoft.com/office/drawing/2010/main" xmlns="" w="9525">
                   <a:solidFill>
                     <a:srgbClr val="000000"/>
                   </a:solidFill>
@@ -979,7 +979,7 @@
             </a:ln>
             <a:extLst>
               <a:ext uri="{91240B29-F687-4f45-9708-019B960494DF}">
-                <a14:hiddenLine xmlns="" xmlns:a14="http://schemas.microsoft.com/office/drawing/2010/main" w="9525">
+                <a14:hiddenLine xmlns:a14="http://schemas.microsoft.com/office/drawing/2010/main" xmlns="" w="9525">
                   <a:solidFill>
                     <a:srgbClr val="000000"/>
                   </a:solidFill>
@@ -1041,7 +1041,7 @@
             </a:ln>
             <a:extLst>
               <a:ext uri="{91240B29-F687-4f45-9708-019B960494DF}">
-                <a14:hiddenLine xmlns="" xmlns:a14="http://schemas.microsoft.com/office/drawing/2010/main" w="9525">
+                <a14:hiddenLine xmlns:a14="http://schemas.microsoft.com/office/drawing/2010/main" xmlns="" w="9525">
                   <a:solidFill>
                     <a:srgbClr val="000000"/>
                   </a:solidFill>
@@ -1103,7 +1103,7 @@
             </a:ln>
             <a:extLst>
               <a:ext uri="{91240B29-F687-4f45-9708-019B960494DF}">
-                <a14:hiddenLine xmlns="" xmlns:a14="http://schemas.microsoft.com/office/drawing/2010/main" w="9525">
+                <a14:hiddenLine xmlns:a14="http://schemas.microsoft.com/office/drawing/2010/main" xmlns="" w="9525">
                   <a:solidFill>
                     <a:srgbClr val="000000"/>
                   </a:solidFill>
@@ -1193,7 +1193,7 @@
             </a:ln>
             <a:extLst>
               <a:ext uri="{91240B29-F687-4f45-9708-019B960494DF}">
-                <a14:hiddenLine xmlns="" xmlns:a14="http://schemas.microsoft.com/office/drawing/2010/main" w="9525">
+                <a14:hiddenLine xmlns:a14="http://schemas.microsoft.com/office/drawing/2010/main" xmlns="" w="9525">
                   <a:solidFill>
                     <a:srgbClr val="000000"/>
                   </a:solidFill>
@@ -1255,7 +1255,7 @@
             </a:ln>
             <a:extLst>
               <a:ext uri="{91240B29-F687-4f45-9708-019B960494DF}">
-                <a14:hiddenLine xmlns="" xmlns:a14="http://schemas.microsoft.com/office/drawing/2010/main" w="9525">
+                <a14:hiddenLine xmlns:a14="http://schemas.microsoft.com/office/drawing/2010/main" xmlns="" w="9525">
                   <a:solidFill>
                     <a:srgbClr val="000000"/>
                   </a:solidFill>
@@ -1317,7 +1317,7 @@
             </a:ln>
             <a:extLst>
               <a:ext uri="{91240B29-F687-4f45-9708-019B960494DF}">
-                <a14:hiddenLine xmlns="" xmlns:a14="http://schemas.microsoft.com/office/drawing/2010/main" w="9525">
+                <a14:hiddenLine xmlns:a14="http://schemas.microsoft.com/office/drawing/2010/main" xmlns="" w="9525">
                   <a:solidFill>
                     <a:srgbClr val="000000"/>
                   </a:solidFill>
@@ -1407,7 +1407,7 @@
             </a:ln>
             <a:extLst>
               <a:ext uri="{91240B29-F687-4f45-9708-019B960494DF}">
-                <a14:hiddenLine xmlns="" xmlns:a14="http://schemas.microsoft.com/office/drawing/2010/main" w="9525">
+                <a14:hiddenLine xmlns:a14="http://schemas.microsoft.com/office/drawing/2010/main" xmlns="" w="9525">
                   <a:solidFill>
                     <a:srgbClr val="000000"/>
                   </a:solidFill>
@@ -1497,7 +1497,7 @@
             </a:ln>
             <a:extLst>
               <a:ext uri="{91240B29-F687-4f45-9708-019B960494DF}">
-                <a14:hiddenLine xmlns="" xmlns:a14="http://schemas.microsoft.com/office/drawing/2010/main" w="9525">
+                <a14:hiddenLine xmlns:a14="http://schemas.microsoft.com/office/drawing/2010/main" xmlns="" w="9525">
                   <a:solidFill>
                     <a:srgbClr val="000000"/>
                   </a:solidFill>
@@ -1559,7 +1559,7 @@
             </a:ln>
             <a:extLst>
               <a:ext uri="{91240B29-F687-4f45-9708-019B960494DF}">
-                <a14:hiddenLine xmlns="" xmlns:a14="http://schemas.microsoft.com/office/drawing/2010/main" w="9525">
+                <a14:hiddenLine xmlns:a14="http://schemas.microsoft.com/office/drawing/2010/main" xmlns="" w="9525">
                   <a:solidFill>
                     <a:srgbClr val="000000"/>
                   </a:solidFill>
@@ -1669,7 +1669,7 @@
             </a:ln>
             <a:extLst>
               <a:ext uri="{91240B29-F687-4f45-9708-019B960494DF}">
-                <a14:hiddenLine xmlns="" xmlns:a14="http://schemas.microsoft.com/office/drawing/2010/main" w="9525">
+                <a14:hiddenLine xmlns:a14="http://schemas.microsoft.com/office/drawing/2010/main" xmlns="" w="9525">
                   <a:solidFill>
                     <a:srgbClr val="000000"/>
                   </a:solidFill>
@@ -1731,7 +1731,7 @@
             </a:ln>
             <a:extLst>
               <a:ext uri="{91240B29-F687-4f45-9708-019B960494DF}">
-                <a14:hiddenLine xmlns="" xmlns:a14="http://schemas.microsoft.com/office/drawing/2010/main" w="9525">
+                <a14:hiddenLine xmlns:a14="http://schemas.microsoft.com/office/drawing/2010/main" xmlns="" w="9525">
                   <a:solidFill>
                     <a:srgbClr val="000000"/>
                   </a:solidFill>
@@ -1821,7 +1821,7 @@
             </a:ln>
             <a:extLst>
               <a:ext uri="{91240B29-F687-4f45-9708-019B960494DF}">
-                <a14:hiddenLine xmlns="" xmlns:a14="http://schemas.microsoft.com/office/drawing/2010/main" w="9525">
+                <a14:hiddenLine xmlns:a14="http://schemas.microsoft.com/office/drawing/2010/main" xmlns="" w="9525">
                   <a:solidFill>
                     <a:srgbClr val="000000"/>
                   </a:solidFill>
@@ -1911,7 +1911,7 @@
             </a:ln>
             <a:extLst>
               <a:ext uri="{91240B29-F687-4f45-9708-019B960494DF}">
-                <a14:hiddenLine xmlns="" xmlns:a14="http://schemas.microsoft.com/office/drawing/2010/main" w="9525">
+                <a14:hiddenLine xmlns:a14="http://schemas.microsoft.com/office/drawing/2010/main" xmlns="" w="9525">
                   <a:solidFill>
                     <a:srgbClr val="000000"/>
                   </a:solidFill>
@@ -1973,7 +1973,7 @@
             </a:ln>
             <a:extLst>
               <a:ext uri="{91240B29-F687-4f45-9708-019B960494DF}">
-                <a14:hiddenLine xmlns="" xmlns:a14="http://schemas.microsoft.com/office/drawing/2010/main" w="9525">
+                <a14:hiddenLine xmlns:a14="http://schemas.microsoft.com/office/drawing/2010/main" xmlns="" w="9525">
                   <a:solidFill>
                     <a:srgbClr val="000000"/>
                   </a:solidFill>
@@ -2063,7 +2063,7 @@
             </a:ln>
             <a:extLst>
               <a:ext uri="{91240B29-F687-4f45-9708-019B960494DF}">
-                <a14:hiddenLine xmlns="" xmlns:a14="http://schemas.microsoft.com/office/drawing/2010/main" w="9525">
+                <a14:hiddenLine xmlns:a14="http://schemas.microsoft.com/office/drawing/2010/main" xmlns="" w="9525">
                   <a:solidFill>
                     <a:srgbClr val="000000"/>
                   </a:solidFill>
@@ -2153,7 +2153,7 @@
             </a:ln>
             <a:extLst>
               <a:ext uri="{91240B29-F687-4f45-9708-019B960494DF}">
-                <a14:hiddenLine xmlns="" xmlns:a14="http://schemas.microsoft.com/office/drawing/2010/main" w="9525">
+                <a14:hiddenLine xmlns:a14="http://schemas.microsoft.com/office/drawing/2010/main" xmlns="" w="9525">
                   <a:solidFill>
                     <a:srgbClr val="000000"/>
                   </a:solidFill>
@@ -2209,7 +2209,7 @@
             </a:ln>
             <a:extLst>
               <a:ext uri="{91240B29-F687-4f45-9708-019B960494DF}">
-                <a14:hiddenLine xmlns="" xmlns:a14="http://schemas.microsoft.com/office/drawing/2010/main" w="9525">
+                <a14:hiddenLine xmlns:a14="http://schemas.microsoft.com/office/drawing/2010/main" xmlns="" w="9525">
                   <a:solidFill>
                     <a:srgbClr val="000000"/>
                   </a:solidFill>
@@ -2299,7 +2299,7 @@
             </a:ln>
             <a:extLst>
               <a:ext uri="{91240B29-F687-4f45-9708-019B960494DF}">
-                <a14:hiddenLine xmlns="" xmlns:a14="http://schemas.microsoft.com/office/drawing/2010/main" w="9525">
+                <a14:hiddenLine xmlns:a14="http://schemas.microsoft.com/office/drawing/2010/main" xmlns="" w="9525">
                   <a:solidFill>
                     <a:srgbClr val="000000"/>
                   </a:solidFill>
@@ -2355,7 +2355,7 @@
             </a:ln>
             <a:extLst>
               <a:ext uri="{91240B29-F687-4f45-9708-019B960494DF}">
-                <a14:hiddenLine xmlns="" xmlns:a14="http://schemas.microsoft.com/office/drawing/2010/main" w="9525">
+                <a14:hiddenLine xmlns:a14="http://schemas.microsoft.com/office/drawing/2010/main" xmlns="" w="9525">
                   <a:solidFill>
                     <a:srgbClr val="000000"/>
                   </a:solidFill>
@@ -2445,7 +2445,7 @@
             </a:ln>
             <a:extLst>
               <a:ext uri="{91240B29-F687-4f45-9708-019B960494DF}">
-                <a14:hiddenLine xmlns="" xmlns:a14="http://schemas.microsoft.com/office/drawing/2010/main" w="9525">
+                <a14:hiddenLine xmlns:a14="http://schemas.microsoft.com/office/drawing/2010/main" xmlns="" w="9525">
                   <a:solidFill>
                     <a:srgbClr val="000000"/>
                   </a:solidFill>
@@ -2513,7 +2513,7 @@
             </a:ln>
             <a:extLst>
               <a:ext uri="{91240B29-F687-4f45-9708-019B960494DF}">
-                <a14:hiddenLine xmlns="" xmlns:a14="http://schemas.microsoft.com/office/drawing/2010/main" w="9525">
+                <a14:hiddenLine xmlns:a14="http://schemas.microsoft.com/office/drawing/2010/main" xmlns="" w="9525">
                   <a:solidFill>
                     <a:srgbClr val="000000"/>
                   </a:solidFill>
@@ -2603,7 +2603,7 @@
             </a:ln>
             <a:extLst>
               <a:ext uri="{91240B29-F687-4f45-9708-019B960494DF}">
-                <a14:hiddenLine xmlns="" xmlns:a14="http://schemas.microsoft.com/office/drawing/2010/main" w="9525">
+                <a14:hiddenLine xmlns:a14="http://schemas.microsoft.com/office/drawing/2010/main" xmlns="" w="9525">
                   <a:solidFill>
                     <a:srgbClr val="000000"/>
                   </a:solidFill>
@@ -2671,7 +2671,7 @@
             </a:ln>
             <a:extLst>
               <a:ext uri="{91240B29-F687-4f45-9708-019B960494DF}">
-                <a14:hiddenLine xmlns="" xmlns:a14="http://schemas.microsoft.com/office/drawing/2010/main" w="9525">
+                <a14:hiddenLine xmlns:a14="http://schemas.microsoft.com/office/drawing/2010/main" xmlns="" w="9525">
                   <a:solidFill>
                     <a:srgbClr val="000000"/>
                   </a:solidFill>
@@ -2761,7 +2761,7 @@
             </a:ln>
             <a:extLst>
               <a:ext uri="{91240B29-F687-4f45-9708-019B960494DF}">
-                <a14:hiddenLine xmlns="" xmlns:a14="http://schemas.microsoft.com/office/drawing/2010/main" w="9525">
+                <a14:hiddenLine xmlns:a14="http://schemas.microsoft.com/office/drawing/2010/main" xmlns="" w="9525">
                   <a:solidFill>
                     <a:srgbClr val="000000"/>
                   </a:solidFill>
@@ -2795,7 +2795,7 @@
             </a:ln>
             <a:extLst>
               <a:ext uri="{91240B29-F687-4f45-9708-019B960494DF}">
-                <a14:hiddenLine xmlns="" xmlns:a14="http://schemas.microsoft.com/office/drawing/2010/main" w="9525">
+                <a14:hiddenLine xmlns:a14="http://schemas.microsoft.com/office/drawing/2010/main" xmlns="" w="9525">
                   <a:solidFill>
                     <a:srgbClr val="000000"/>
                   </a:solidFill>
@@ -2885,7 +2885,7 @@
             </a:ln>
             <a:extLst>
               <a:ext uri="{91240B29-F687-4f45-9708-019B960494DF}">
-                <a14:hiddenLine xmlns="" xmlns:a14="http://schemas.microsoft.com/office/drawing/2010/main" w="9525">
+                <a14:hiddenLine xmlns:a14="http://schemas.microsoft.com/office/drawing/2010/main" xmlns="" w="9525">
                   <a:solidFill>
                     <a:srgbClr val="000000"/>
                   </a:solidFill>
@@ -2947,7 +2947,7 @@
             </a:ln>
             <a:extLst>
               <a:ext uri="{91240B29-F687-4f45-9708-019B960494DF}">
-                <a14:hiddenLine xmlns="" xmlns:a14="http://schemas.microsoft.com/office/drawing/2010/main" w="9525">
+                <a14:hiddenLine xmlns:a14="http://schemas.microsoft.com/office/drawing/2010/main" xmlns="" w="9525">
                   <a:solidFill>
                     <a:srgbClr val="000000"/>
                   </a:solidFill>
@@ -3009,7 +3009,7 @@
             </a:ln>
             <a:extLst>
               <a:ext uri="{91240B29-F687-4f45-9708-019B960494DF}">
-                <a14:hiddenLine xmlns="" xmlns:a14="http://schemas.microsoft.com/office/drawing/2010/main" w="9525">
+                <a14:hiddenLine xmlns:a14="http://schemas.microsoft.com/office/drawing/2010/main" xmlns="" w="9525">
                   <a:solidFill>
                     <a:srgbClr val="000000"/>
                   </a:solidFill>
@@ -3099,7 +3099,7 @@
             </a:ln>
             <a:extLst>
               <a:ext uri="{91240B29-F687-4f45-9708-019B960494DF}">
-                <a14:hiddenLine xmlns="" xmlns:a14="http://schemas.microsoft.com/office/drawing/2010/main" w="9525">
+                <a14:hiddenLine xmlns:a14="http://schemas.microsoft.com/office/drawing/2010/main" xmlns="" w="9525">
                   <a:solidFill>
                     <a:srgbClr val="000000"/>
                   </a:solidFill>
@@ -3167,7 +3167,7 @@
             </a:ln>
             <a:extLst>
               <a:ext uri="{91240B29-F687-4f45-9708-019B960494DF}">
-                <a14:hiddenLine xmlns="" xmlns:a14="http://schemas.microsoft.com/office/drawing/2010/main" w="9525">
+                <a14:hiddenLine xmlns:a14="http://schemas.microsoft.com/office/drawing/2010/main" xmlns="" w="9525">
                   <a:solidFill>
                     <a:srgbClr val="000000"/>
                   </a:solidFill>
@@ -3229,7 +3229,7 @@
             </a:ln>
             <a:extLst>
               <a:ext uri="{91240B29-F687-4f45-9708-019B960494DF}">
-                <a14:hiddenLine xmlns="" xmlns:a14="http://schemas.microsoft.com/office/drawing/2010/main" w="9525">
+                <a14:hiddenLine xmlns:a14="http://schemas.microsoft.com/office/drawing/2010/main" xmlns="" w="9525">
                   <a:solidFill>
                     <a:srgbClr val="000000"/>
                   </a:solidFill>
@@ -3319,7 +3319,7 @@
             </a:ln>
             <a:extLst>
               <a:ext uri="{91240B29-F687-4f45-9708-019B960494DF}">
-                <a14:hiddenLine xmlns="" xmlns:a14="http://schemas.microsoft.com/office/drawing/2010/main" w="9525">
+                <a14:hiddenLine xmlns:a14="http://schemas.microsoft.com/office/drawing/2010/main" xmlns="" w="9525">
                   <a:solidFill>
                     <a:srgbClr val="000000"/>
                   </a:solidFill>
@@ -3381,7 +3381,7 @@
             </a:ln>
             <a:extLst>
               <a:ext uri="{91240B29-F687-4f45-9708-019B960494DF}">
-                <a14:hiddenLine xmlns="" xmlns:a14="http://schemas.microsoft.com/office/drawing/2010/main" w="9525">
+                <a14:hiddenLine xmlns:a14="http://schemas.microsoft.com/office/drawing/2010/main" xmlns="" w="9525">
                   <a:solidFill>
                     <a:srgbClr val="000000"/>
                   </a:solidFill>
@@ -3471,7 +3471,7 @@
             </a:ln>
             <a:extLst>
               <a:ext uri="{91240B29-F687-4f45-9708-019B960494DF}">
-                <a14:hiddenLine xmlns="" xmlns:a14="http://schemas.microsoft.com/office/drawing/2010/main" w="9525">
+                <a14:hiddenLine xmlns:a14="http://schemas.microsoft.com/office/drawing/2010/main" xmlns="" w="9525">
                   <a:solidFill>
                     <a:srgbClr val="000000"/>
                   </a:solidFill>
@@ -3533,7 +3533,7 @@
             </a:ln>
             <a:extLst>
               <a:ext uri="{91240B29-F687-4f45-9708-019B960494DF}">
-                <a14:hiddenLine xmlns="" xmlns:a14="http://schemas.microsoft.com/office/drawing/2010/main" w="9525">
+                <a14:hiddenLine xmlns:a14="http://schemas.microsoft.com/office/drawing/2010/main" xmlns="" w="9525">
                   <a:solidFill>
                     <a:srgbClr val="000000"/>
                   </a:solidFill>
@@ -3623,7 +3623,7 @@
             </a:ln>
             <a:extLst>
               <a:ext uri="{91240B29-F687-4f45-9708-019B960494DF}">
-                <a14:hiddenLine xmlns="" xmlns:a14="http://schemas.microsoft.com/office/drawing/2010/main" w="9525">
+                <a14:hiddenLine xmlns:a14="http://schemas.microsoft.com/office/drawing/2010/main" xmlns="" w="9525">
                   <a:solidFill>
                     <a:srgbClr val="000000"/>
                   </a:solidFill>
@@ -3657,7 +3657,7 @@
             </a:ln>
             <a:extLst>
               <a:ext uri="{91240B29-F687-4f45-9708-019B960494DF}">
-                <a14:hiddenLine xmlns="" xmlns:a14="http://schemas.microsoft.com/office/drawing/2010/main" w="9525">
+                <a14:hiddenLine xmlns:a14="http://schemas.microsoft.com/office/drawing/2010/main" xmlns="" w="9525">
                   <a:solidFill>
                     <a:srgbClr val="000000"/>
                   </a:solidFill>
@@ -3722,7 +3722,7 @@
             </a:ln>
             <a:extLst>
               <a:ext uri="{91240B29-F687-4f45-9708-019B960494DF}">
-                <a14:hiddenLine xmlns="" xmlns:a14="http://schemas.microsoft.com/office/drawing/2010/main" w="9525">
+                <a14:hiddenLine xmlns:a14="http://schemas.microsoft.com/office/drawing/2010/main" xmlns="" w="9525">
                   <a:solidFill>
                     <a:srgbClr val="000000"/>
                   </a:solidFill>
@@ -3812,7 +3812,7 @@
             </a:ln>
             <a:extLst>
               <a:ext uri="{91240B29-F687-4f45-9708-019B960494DF}">
-                <a14:hiddenLine xmlns="" xmlns:a14="http://schemas.microsoft.com/office/drawing/2010/main" w="9525">
+                <a14:hiddenLine xmlns:a14="http://schemas.microsoft.com/office/drawing/2010/main" xmlns="" w="9525">
                   <a:solidFill>
                     <a:srgbClr val="000000"/>
                   </a:solidFill>
@@ -3874,7 +3874,7 @@
             </a:ln>
             <a:extLst>
               <a:ext uri="{91240B29-F687-4f45-9708-019B960494DF}">
-                <a14:hiddenLine xmlns="" xmlns:a14="http://schemas.microsoft.com/office/drawing/2010/main" w="9525">
+                <a14:hiddenLine xmlns:a14="http://schemas.microsoft.com/office/drawing/2010/main" xmlns="" w="9525">
                   <a:solidFill>
                     <a:srgbClr val="000000"/>
                   </a:solidFill>
@@ -3964,7 +3964,7 @@
             </a:ln>
             <a:extLst>
               <a:ext uri="{91240B29-F687-4f45-9708-019B960494DF}">
-                <a14:hiddenLine xmlns="" xmlns:a14="http://schemas.microsoft.com/office/drawing/2010/main" w="9525">
+                <a14:hiddenLine xmlns:a14="http://schemas.microsoft.com/office/drawing/2010/main" xmlns="" w="9525">
                   <a:solidFill>
                     <a:srgbClr val="000000"/>
                   </a:solidFill>
@@ -4054,7 +4054,7 @@
             </a:ln>
             <a:extLst>
               <a:ext uri="{91240B29-F687-4f45-9708-019B960494DF}">
-                <a14:hiddenLine xmlns="" xmlns:a14="http://schemas.microsoft.com/office/drawing/2010/main" w="9525">
+                <a14:hiddenLine xmlns:a14="http://schemas.microsoft.com/office/drawing/2010/main" xmlns="" w="9525">
                   <a:solidFill>
                     <a:srgbClr val="000000"/>
                   </a:solidFill>
@@ -4119,7 +4119,7 @@
             </a:ln>
             <a:extLst>
               <a:ext uri="{91240B29-F687-4f45-9708-019B960494DF}">
-                <a14:hiddenLine xmlns="" xmlns:a14="http://schemas.microsoft.com/office/drawing/2010/main" w="9525">
+                <a14:hiddenLine xmlns:a14="http://schemas.microsoft.com/office/drawing/2010/main" xmlns="" w="9525">
                   <a:solidFill>
                     <a:srgbClr val="000000"/>
                   </a:solidFill>
@@ -4181,7 +4181,7 @@
             </a:ln>
             <a:extLst>
               <a:ext uri="{91240B29-F687-4f45-9708-019B960494DF}">
-                <a14:hiddenLine xmlns="" xmlns:a14="http://schemas.microsoft.com/office/drawing/2010/main" w="9525">
+                <a14:hiddenLine xmlns:a14="http://schemas.microsoft.com/office/drawing/2010/main" xmlns="" w="9525">
                   <a:solidFill>
                     <a:srgbClr val="000000"/>
                   </a:solidFill>
@@ -4271,7 +4271,7 @@
             </a:ln>
             <a:extLst>
               <a:ext uri="{91240B29-F687-4f45-9708-019B960494DF}">
-                <a14:hiddenLine xmlns="" xmlns:a14="http://schemas.microsoft.com/office/drawing/2010/main" w="9525">
+                <a14:hiddenLine xmlns:a14="http://schemas.microsoft.com/office/drawing/2010/main" xmlns="" w="9525">
                   <a:solidFill>
                     <a:srgbClr val="000000"/>
                   </a:solidFill>
@@ -4361,7 +4361,7 @@
             </a:ln>
             <a:extLst>
               <a:ext uri="{91240B29-F687-4f45-9708-019B960494DF}">
-                <a14:hiddenLine xmlns="" xmlns:a14="http://schemas.microsoft.com/office/drawing/2010/main" w="9525">
+                <a14:hiddenLine xmlns:a14="http://schemas.microsoft.com/office/drawing/2010/main" xmlns="" w="9525">
                   <a:solidFill>
                     <a:srgbClr val="000000"/>
                   </a:solidFill>
@@ -4423,7 +4423,7 @@
             </a:ln>
             <a:extLst>
               <a:ext uri="{91240B29-F687-4f45-9708-019B960494DF}">
-                <a14:hiddenLine xmlns="" xmlns:a14="http://schemas.microsoft.com/office/drawing/2010/main" w="9525">
+                <a14:hiddenLine xmlns:a14="http://schemas.microsoft.com/office/drawing/2010/main" xmlns="" w="9525">
                   <a:solidFill>
                     <a:srgbClr val="000000"/>
                   </a:solidFill>
@@ -4543,7 +4543,7 @@
             </a:ln>
             <a:extLst>
               <a:ext uri="{91240B29-F687-4f45-9708-019B960494DF}">
-                <a14:hiddenLine xmlns="" xmlns:a14="http://schemas.microsoft.com/office/drawing/2010/main" w="9525">
+                <a14:hiddenLine xmlns:a14="http://schemas.microsoft.com/office/drawing/2010/main" xmlns="" w="9525">
                   <a:solidFill>
                     <a:srgbClr val="000000"/>
                   </a:solidFill>
@@ -4611,7 +4611,7 @@
             </a:ln>
             <a:extLst>
               <a:ext uri="{91240B29-F687-4f45-9708-019B960494DF}">
-                <a14:hiddenLine xmlns="" xmlns:a14="http://schemas.microsoft.com/office/drawing/2010/main" w="9525">
+                <a14:hiddenLine xmlns:a14="http://schemas.microsoft.com/office/drawing/2010/main" xmlns="" w="9525">
                   <a:solidFill>
                     <a:srgbClr val="000000"/>
                   </a:solidFill>
@@ -4701,7 +4701,7 @@
             </a:ln>
             <a:extLst>
               <a:ext uri="{91240B29-F687-4f45-9708-019B960494DF}">
-                <a14:hiddenLine xmlns="" xmlns:a14="http://schemas.microsoft.com/office/drawing/2010/main" w="9525">
+                <a14:hiddenLine xmlns:a14="http://schemas.microsoft.com/office/drawing/2010/main" xmlns="" w="9525">
                   <a:solidFill>
                     <a:srgbClr val="000000"/>
                   </a:solidFill>
@@ -9423,7 +9423,7 @@
           <a:noFill/>
           <a:extLst>
             <a:ext uri="{909E8E84-426E-40dd-AFC4-6F175D3DCCD1}">
-              <a14:hiddenFill xmlns="" xmlns:a14="http://schemas.microsoft.com/office/drawing/2010/main">
+              <a14:hiddenFill xmlns:a14="http://schemas.microsoft.com/office/drawing/2010/main" xmlns="">
                 <a:solidFill>
                   <a:srgbClr val="FFFFFF"/>
                 </a:solidFill>
@@ -9497,7 +9497,7 @@
               </a:ln>
               <a:extLst>
                 <a:ext uri="{91240B29-F687-4f45-9708-019B960494DF}">
-                  <a14:hiddenLine xmlns="" xmlns:a14="http://schemas.microsoft.com/office/drawing/2010/main" w="9525">
+                  <a14:hiddenLine xmlns:a14="http://schemas.microsoft.com/office/drawing/2010/main" xmlns="" w="9525">
                     <a:solidFill>
                       <a:srgbClr val="000000"/>
                     </a:solidFill>
@@ -9587,7 +9587,7 @@
               </a:ln>
               <a:extLst>
                 <a:ext uri="{91240B29-F687-4f45-9708-019B960494DF}">
-                  <a14:hiddenLine xmlns="" xmlns:a14="http://schemas.microsoft.com/office/drawing/2010/main" w="9525">
+                  <a14:hiddenLine xmlns:a14="http://schemas.microsoft.com/office/drawing/2010/main" xmlns="" w="9525">
                     <a:solidFill>
                       <a:srgbClr val="000000"/>
                     </a:solidFill>
@@ -9677,7 +9677,7 @@
               </a:ln>
               <a:extLst>
                 <a:ext uri="{91240B29-F687-4f45-9708-019B960494DF}">
-                  <a14:hiddenLine xmlns="" xmlns:a14="http://schemas.microsoft.com/office/drawing/2010/main" w="9525">
+                  <a14:hiddenLine xmlns:a14="http://schemas.microsoft.com/office/drawing/2010/main" xmlns="" w="9525">
                     <a:solidFill>
                       <a:srgbClr val="000000"/>
                     </a:solidFill>
@@ -9739,7 +9739,7 @@
               </a:ln>
               <a:extLst>
                 <a:ext uri="{91240B29-F687-4f45-9708-019B960494DF}">
-                  <a14:hiddenLine xmlns="" xmlns:a14="http://schemas.microsoft.com/office/drawing/2010/main" w="9525">
+                  <a14:hiddenLine xmlns:a14="http://schemas.microsoft.com/office/drawing/2010/main" xmlns="" w="9525">
                     <a:solidFill>
                       <a:srgbClr val="000000"/>
                     </a:solidFill>
@@ -9829,7 +9829,7 @@
               </a:ln>
               <a:extLst>
                 <a:ext uri="{91240B29-F687-4f45-9708-019B960494DF}">
-                  <a14:hiddenLine xmlns="" xmlns:a14="http://schemas.microsoft.com/office/drawing/2010/main" w="9525">
+                  <a14:hiddenLine xmlns:a14="http://schemas.microsoft.com/office/drawing/2010/main" xmlns="" w="9525">
                     <a:solidFill>
                       <a:srgbClr val="000000"/>
                     </a:solidFill>
@@ -9891,7 +9891,7 @@
               </a:ln>
               <a:extLst>
                 <a:ext uri="{91240B29-F687-4f45-9708-019B960494DF}">
-                  <a14:hiddenLine xmlns="" xmlns:a14="http://schemas.microsoft.com/office/drawing/2010/main" w="9525">
+                  <a14:hiddenLine xmlns:a14="http://schemas.microsoft.com/office/drawing/2010/main" xmlns="" w="9525">
                     <a:solidFill>
                       <a:srgbClr val="000000"/>
                     </a:solidFill>
@@ -9953,7 +9953,7 @@
               </a:ln>
               <a:extLst>
                 <a:ext uri="{91240B29-F687-4f45-9708-019B960494DF}">
-                  <a14:hiddenLine xmlns="" xmlns:a14="http://schemas.microsoft.com/office/drawing/2010/main" w="9525">
+                  <a14:hiddenLine xmlns:a14="http://schemas.microsoft.com/office/drawing/2010/main" xmlns="" w="9525">
                     <a:solidFill>
                       <a:srgbClr val="000000"/>
                     </a:solidFill>
@@ -10043,7 +10043,7 @@
               </a:ln>
               <a:extLst>
                 <a:ext uri="{91240B29-F687-4f45-9708-019B960494DF}">
-                  <a14:hiddenLine xmlns="" xmlns:a14="http://schemas.microsoft.com/office/drawing/2010/main" w="9525">
+                  <a14:hiddenLine xmlns:a14="http://schemas.microsoft.com/office/drawing/2010/main" xmlns="" w="9525">
                     <a:solidFill>
                       <a:srgbClr val="000000"/>
                     </a:solidFill>
@@ -10133,7 +10133,7 @@
               </a:ln>
               <a:extLst>
                 <a:ext uri="{91240B29-F687-4f45-9708-019B960494DF}">
-                  <a14:hiddenLine xmlns="" xmlns:a14="http://schemas.microsoft.com/office/drawing/2010/main" w="9525">
+                  <a14:hiddenLine xmlns:a14="http://schemas.microsoft.com/office/drawing/2010/main" xmlns="" w="9525">
                     <a:solidFill>
                       <a:srgbClr val="000000"/>
                     </a:solidFill>
@@ -10195,7 +10195,7 @@
               </a:ln>
               <a:extLst>
                 <a:ext uri="{91240B29-F687-4f45-9708-019B960494DF}">
-                  <a14:hiddenLine xmlns="" xmlns:a14="http://schemas.microsoft.com/office/drawing/2010/main" w="9525">
+                  <a14:hiddenLine xmlns:a14="http://schemas.microsoft.com/office/drawing/2010/main" xmlns="" w="9525">
                     <a:solidFill>
                       <a:srgbClr val="000000"/>
                     </a:solidFill>
@@ -10305,7 +10305,7 @@
               </a:ln>
               <a:extLst>
                 <a:ext uri="{91240B29-F687-4f45-9708-019B960494DF}">
-                  <a14:hiddenLine xmlns="" xmlns:a14="http://schemas.microsoft.com/office/drawing/2010/main" w="9525">
+                  <a14:hiddenLine xmlns:a14="http://schemas.microsoft.com/office/drawing/2010/main" xmlns="" w="9525">
                     <a:solidFill>
                       <a:srgbClr val="000000"/>
                     </a:solidFill>
@@ -10389,7 +10389,7 @@
               </a:ln>
               <a:extLst>
                 <a:ext uri="{91240B29-F687-4f45-9708-019B960494DF}">
-                  <a14:hiddenLine xmlns="" xmlns:a14="http://schemas.microsoft.com/office/drawing/2010/main" w="9525">
+                  <a14:hiddenLine xmlns:a14="http://schemas.microsoft.com/office/drawing/2010/main" xmlns="" w="9525">
                     <a:solidFill>
                       <a:srgbClr val="000000"/>
                     </a:solidFill>
@@ -10451,7 +10451,7 @@
               </a:ln>
               <a:extLst>
                 <a:ext uri="{91240B29-F687-4f45-9708-019B960494DF}">
-                  <a14:hiddenLine xmlns="" xmlns:a14="http://schemas.microsoft.com/office/drawing/2010/main" w="9525">
+                  <a14:hiddenLine xmlns:a14="http://schemas.microsoft.com/office/drawing/2010/main" xmlns="" w="9525">
                     <a:solidFill>
                       <a:srgbClr val="000000"/>
                     </a:solidFill>
@@ -10513,7 +10513,7 @@
               </a:ln>
               <a:extLst>
                 <a:ext uri="{91240B29-F687-4f45-9708-019B960494DF}">
-                  <a14:hiddenLine xmlns="" xmlns:a14="http://schemas.microsoft.com/office/drawing/2010/main" w="9525">
+                  <a14:hiddenLine xmlns:a14="http://schemas.microsoft.com/office/drawing/2010/main" xmlns="" w="9525">
                     <a:solidFill>
                       <a:srgbClr val="000000"/>
                     </a:solidFill>
@@ -10603,7 +10603,7 @@
               </a:ln>
               <a:extLst>
                 <a:ext uri="{91240B29-F687-4f45-9708-019B960494DF}">
-                  <a14:hiddenLine xmlns="" xmlns:a14="http://schemas.microsoft.com/office/drawing/2010/main" w="9525">
+                  <a14:hiddenLine xmlns:a14="http://schemas.microsoft.com/office/drawing/2010/main" xmlns="" w="9525">
                     <a:solidFill>
                       <a:srgbClr val="000000"/>
                     </a:solidFill>
@@ -10637,7 +10637,7 @@
               </a:ln>
               <a:extLst>
                 <a:ext uri="{91240B29-F687-4f45-9708-019B960494DF}">
-                  <a14:hiddenLine xmlns="" xmlns:a14="http://schemas.microsoft.com/office/drawing/2010/main" w="9525">
+                  <a14:hiddenLine xmlns:a14="http://schemas.microsoft.com/office/drawing/2010/main" xmlns="" w="9525">
                     <a:solidFill>
                       <a:srgbClr val="000000"/>
                     </a:solidFill>
@@ -10702,7 +10702,7 @@
               </a:ln>
               <a:extLst>
                 <a:ext uri="{91240B29-F687-4f45-9708-019B960494DF}">
-                  <a14:hiddenLine xmlns="" xmlns:a14="http://schemas.microsoft.com/office/drawing/2010/main" w="9525">
+                  <a14:hiddenLine xmlns:a14="http://schemas.microsoft.com/office/drawing/2010/main" xmlns="" w="9525">
                     <a:solidFill>
                       <a:srgbClr val="000000"/>
                     </a:solidFill>
@@ -10792,7 +10792,7 @@
               </a:ln>
               <a:extLst>
                 <a:ext uri="{91240B29-F687-4f45-9708-019B960494DF}">
-                  <a14:hiddenLine xmlns="" xmlns:a14="http://schemas.microsoft.com/office/drawing/2010/main" w="9525">
+                  <a14:hiddenLine xmlns:a14="http://schemas.microsoft.com/office/drawing/2010/main" xmlns="" w="9525">
                     <a:solidFill>
                       <a:srgbClr val="000000"/>
                     </a:solidFill>
@@ -10854,7 +10854,7 @@
               </a:ln>
               <a:extLst>
                 <a:ext uri="{91240B29-F687-4f45-9708-019B960494DF}">
-                  <a14:hiddenLine xmlns="" xmlns:a14="http://schemas.microsoft.com/office/drawing/2010/main" w="9525">
+                  <a14:hiddenLine xmlns:a14="http://schemas.microsoft.com/office/drawing/2010/main" xmlns="" w="9525">
                     <a:solidFill>
                       <a:srgbClr val="000000"/>
                     </a:solidFill>
@@ -10944,7 +10944,7 @@
               </a:ln>
               <a:extLst>
                 <a:ext uri="{91240B29-F687-4f45-9708-019B960494DF}">
-                  <a14:hiddenLine xmlns="" xmlns:a14="http://schemas.microsoft.com/office/drawing/2010/main" w="9525">
+                  <a14:hiddenLine xmlns:a14="http://schemas.microsoft.com/office/drawing/2010/main" xmlns="" w="9525">
                     <a:solidFill>
                       <a:srgbClr val="000000"/>
                     </a:solidFill>
@@ -11009,7 +11009,7 @@
               </a:ln>
               <a:extLst>
                 <a:ext uri="{91240B29-F687-4f45-9708-019B960494DF}">
-                  <a14:hiddenLine xmlns="" xmlns:a14="http://schemas.microsoft.com/office/drawing/2010/main" w="9525">
+                  <a14:hiddenLine xmlns:a14="http://schemas.microsoft.com/office/drawing/2010/main" xmlns="" w="9525">
                     <a:solidFill>
                       <a:srgbClr val="000000"/>
                     </a:solidFill>
@@ -11071,7 +11071,7 @@
               </a:ln>
               <a:extLst>
                 <a:ext uri="{91240B29-F687-4f45-9708-019B960494DF}">
-                  <a14:hiddenLine xmlns="" xmlns:a14="http://schemas.microsoft.com/office/drawing/2010/main" w="9525">
+                  <a14:hiddenLine xmlns:a14="http://schemas.microsoft.com/office/drawing/2010/main" xmlns="" w="9525">
                     <a:solidFill>
                       <a:srgbClr val="000000"/>
                     </a:solidFill>
@@ -11161,7 +11161,7 @@
               </a:ln>
               <a:extLst>
                 <a:ext uri="{91240B29-F687-4f45-9708-019B960494DF}">
-                  <a14:hiddenLine xmlns="" xmlns:a14="http://schemas.microsoft.com/office/drawing/2010/main" w="9525">
+                  <a14:hiddenLine xmlns:a14="http://schemas.microsoft.com/office/drawing/2010/main" xmlns="" w="9525">
                     <a:solidFill>
                       <a:srgbClr val="000000"/>
                     </a:solidFill>
@@ -11251,7 +11251,7 @@
               </a:ln>
               <a:extLst>
                 <a:ext uri="{91240B29-F687-4f45-9708-019B960494DF}">
-                  <a14:hiddenLine xmlns="" xmlns:a14="http://schemas.microsoft.com/office/drawing/2010/main" w="9525">
+                  <a14:hiddenLine xmlns:a14="http://schemas.microsoft.com/office/drawing/2010/main" xmlns="" w="9525">
                     <a:solidFill>
                       <a:srgbClr val="000000"/>
                     </a:solidFill>
@@ -11316,7 +11316,7 @@
               </a:ln>
               <a:extLst>
                 <a:ext uri="{91240B29-F687-4f45-9708-019B960494DF}">
-                  <a14:hiddenLine xmlns="" xmlns:a14="http://schemas.microsoft.com/office/drawing/2010/main" w="9525">
+                  <a14:hiddenLine xmlns:a14="http://schemas.microsoft.com/office/drawing/2010/main" xmlns="" w="9525">
                     <a:solidFill>
                       <a:srgbClr val="000000"/>
                     </a:solidFill>
@@ -11436,7 +11436,7 @@
               </a:ln>
               <a:extLst>
                 <a:ext uri="{91240B29-F687-4f45-9708-019B960494DF}">
-                  <a14:hiddenLine xmlns="" xmlns:a14="http://schemas.microsoft.com/office/drawing/2010/main" w="9525">
+                  <a14:hiddenLine xmlns:a14="http://schemas.microsoft.com/office/drawing/2010/main" xmlns="" w="9525">
                     <a:solidFill>
                       <a:srgbClr val="000000"/>
                     </a:solidFill>
@@ -11534,7 +11534,7 @@
               </a:ln>
               <a:extLst>
                 <a:ext uri="{91240B29-F687-4f45-9708-019B960494DF}">
-                  <a14:hiddenLine xmlns="" xmlns:a14="http://schemas.microsoft.com/office/drawing/2010/main" w="9525">
+                  <a14:hiddenLine xmlns:a14="http://schemas.microsoft.com/office/drawing/2010/main" xmlns="" w="9525">
                     <a:solidFill>
                       <a:srgbClr val="000000"/>
                     </a:solidFill>
@@ -11649,7 +11649,7 @@
               </a:ln>
               <a:extLst>
                 <a:ext uri="{91240B29-F687-4f45-9708-019B960494DF}">
-                  <a14:hiddenLine xmlns="" xmlns:a14="http://schemas.microsoft.com/office/drawing/2010/main" w="9525">
+                  <a14:hiddenLine xmlns:a14="http://schemas.microsoft.com/office/drawing/2010/main" xmlns="" w="9525">
                     <a:solidFill>
                       <a:srgbClr val="000000"/>
                     </a:solidFill>
@@ -11739,7 +11739,7 @@
               </a:ln>
               <a:extLst>
                 <a:ext uri="{91240B29-F687-4f45-9708-019B960494DF}">
-                  <a14:hiddenLine xmlns="" xmlns:a14="http://schemas.microsoft.com/office/drawing/2010/main" w="9525">
+                  <a14:hiddenLine xmlns:a14="http://schemas.microsoft.com/office/drawing/2010/main" xmlns="" w="9525">
                     <a:solidFill>
                       <a:srgbClr val="000000"/>
                     </a:solidFill>
@@ -11804,7 +11804,7 @@
               </a:ln>
               <a:extLst>
                 <a:ext uri="{91240B29-F687-4f45-9708-019B960494DF}">
-                  <a14:hiddenLine xmlns="" xmlns:a14="http://schemas.microsoft.com/office/drawing/2010/main" w="9525">
+                  <a14:hiddenLine xmlns:a14="http://schemas.microsoft.com/office/drawing/2010/main" xmlns="" w="9525">
                     <a:solidFill>
                       <a:srgbClr val="000000"/>
                     </a:solidFill>
@@ -11894,7 +11894,7 @@
               </a:ln>
               <a:extLst>
                 <a:ext uri="{91240B29-F687-4f45-9708-019B960494DF}">
-                  <a14:hiddenLine xmlns="" xmlns:a14="http://schemas.microsoft.com/office/drawing/2010/main" w="9525">
+                  <a14:hiddenLine xmlns:a14="http://schemas.microsoft.com/office/drawing/2010/main" xmlns="" w="9525">
                     <a:solidFill>
                       <a:srgbClr val="000000"/>
                     </a:solidFill>
@@ -11962,7 +11962,7 @@
               </a:ln>
               <a:extLst>
                 <a:ext uri="{91240B29-F687-4f45-9708-019B960494DF}">
-                  <a14:hiddenLine xmlns="" xmlns:a14="http://schemas.microsoft.com/office/drawing/2010/main" w="9525">
+                  <a14:hiddenLine xmlns:a14="http://schemas.microsoft.com/office/drawing/2010/main" xmlns="" w="9525">
                     <a:solidFill>
                       <a:srgbClr val="000000"/>
                     </a:solidFill>
@@ -12052,7 +12052,7 @@
               </a:ln>
               <a:extLst>
                 <a:ext uri="{91240B29-F687-4f45-9708-019B960494DF}">
-                  <a14:hiddenLine xmlns="" xmlns:a14="http://schemas.microsoft.com/office/drawing/2010/main" w="9525">
+                  <a14:hiddenLine xmlns:a14="http://schemas.microsoft.com/office/drawing/2010/main" xmlns="" w="9525">
                     <a:solidFill>
                       <a:srgbClr val="000000"/>
                     </a:solidFill>
@@ -12120,7 +12120,7 @@
               </a:ln>
               <a:extLst>
                 <a:ext uri="{91240B29-F687-4f45-9708-019B960494DF}">
-                  <a14:hiddenLine xmlns="" xmlns:a14="http://schemas.microsoft.com/office/drawing/2010/main" w="9525">
+                  <a14:hiddenLine xmlns:a14="http://schemas.microsoft.com/office/drawing/2010/main" xmlns="" w="9525">
                     <a:solidFill>
                       <a:srgbClr val="000000"/>
                     </a:solidFill>
@@ -12210,7 +12210,7 @@
               </a:ln>
               <a:extLst>
                 <a:ext uri="{91240B29-F687-4f45-9708-019B960494DF}">
-                  <a14:hiddenLine xmlns="" xmlns:a14="http://schemas.microsoft.com/office/drawing/2010/main" w="9525">
+                  <a14:hiddenLine xmlns:a14="http://schemas.microsoft.com/office/drawing/2010/main" xmlns="" w="9525">
                     <a:solidFill>
                       <a:srgbClr val="000000"/>
                     </a:solidFill>
@@ -12244,7 +12244,7 @@
               </a:ln>
               <a:extLst>
                 <a:ext uri="{91240B29-F687-4f45-9708-019B960494DF}">
-                  <a14:hiddenLine xmlns="" xmlns:a14="http://schemas.microsoft.com/office/drawing/2010/main" w="9525">
+                  <a14:hiddenLine xmlns:a14="http://schemas.microsoft.com/office/drawing/2010/main" xmlns="" w="9525">
                     <a:solidFill>
                       <a:srgbClr val="000000"/>
                     </a:solidFill>
@@ -13171,6 +13171,39 @@
           </a:p>
         </p:txBody>
       </p:sp>
+      <p:sp>
+        <p:nvSpPr>
+          <p:cNvPr id="4" name="Rectángulo 3"/>
+          <p:cNvSpPr/>
+          <p:nvPr/>
+        </p:nvSpPr>
+        <p:spPr>
+          <a:xfrm>
+            <a:off x="10892537" y="6488668"/>
+            <a:ext cx="1236557" cy="369332"/>
+          </a:xfrm>
+          <a:prstGeom prst="rect">
+            <a:avLst/>
+          </a:prstGeom>
+        </p:spPr>
+        <p:txBody>
+          <a:bodyPr wrap="none">
+            <a:spAutoFit/>
+          </a:bodyPr>
+          <a:lstStyle/>
+          <a:p>
+            <a:r>
+              <a:rPr lang="es-ES" dirty="0"/>
+              <a:t>F</a:t>
+            </a:r>
+            <a:r>
+              <a:rPr lang="es-ES" dirty="0" smtClean="0"/>
+              <a:t>ondos.html</a:t>
+            </a:r>
+            <a:endParaRPr lang="es-ES" dirty="0"/>
+          </a:p>
+        </p:txBody>
+      </p:sp>
     </p:spTree>
     <p:extLst>
       <p:ext uri="{BB962C8B-B14F-4D97-AF65-F5344CB8AC3E}">
@@ -14991,8 +15024,8 @@
         </p:nvSpPr>
         <p:spPr>
           <a:xfrm>
-            <a:off x="10892537" y="6488668"/>
-            <a:ext cx="973343" cy="369332"/>
+            <a:off x="10321037" y="6094968"/>
+            <a:ext cx="1632178" cy="646331"/>
           </a:xfrm>
           <a:prstGeom prst="rect">
             <a:avLst/>
@@ -15007,6 +15040,12 @@
             <a:r>
               <a:rPr lang="es-ES" dirty="0" smtClean="0"/>
               <a:t>css2.html</a:t>
+            </a:r>
+          </a:p>
+          <a:p>
+            <a:r>
+              <a:rPr lang="es-ES" dirty="0" smtClean="0"/>
+              <a:t>agrupando.html</a:t>
             </a:r>
             <a:endParaRPr lang="es-ES" dirty="0"/>
           </a:p>
